--- a/docs/songs/ancient of days.pptx
+++ b/docs/songs/ancient of days.pptx
@@ -5,13 +5,14 @@
     <p:sldMasterId id="2147483648" r:id="rId1"/>
   </p:sldMasterIdLst>
   <p:notesMasterIdLst>
-    <p:notesMasterId r:id="rId6"/>
+    <p:notesMasterId r:id="rId7"/>
   </p:notesMasterIdLst>
   <p:sldIdLst>
     <p:sldId id="999" r:id="rId2"/>
     <p:sldId id="1000" r:id="rId3"/>
     <p:sldId id="1001" r:id="rId4"/>
     <p:sldId id="1002" r:id="rId5"/>
+    <p:sldId id="1488" r:id="rId6"/>
   </p:sldIdLst>
   <p:sldSz cx="9144000" cy="6858000" type="screen4x3"/>
   <p:notesSz cx="6858000" cy="9144000"/>
@@ -211,7 +212,7 @@
           <a:p>
             <a:fld id="{C57EAEFC-A9C7-464E-BE3F-33D4DD72E122}" type="datetimeFigureOut">
               <a:rPr lang="en-GB" smtClean="0"/>
-              <a:t>28/08/2023</a:t>
+              <a:t>09/02/2026</a:t>
             </a:fld>
             <a:endParaRPr lang="en-GB"/>
           </a:p>
@@ -661,7 +662,7 @@
             <a:fld id="{26EA1CF3-4A15-4CBF-9A5A-6A56C368BE71}" type="datetimeFigureOut">
               <a:rPr lang="en-GB" smtClean="0"/>
               <a:pPr/>
-              <a:t>28/08/2023</a:t>
+              <a:t>09/02/2026</a:t>
             </a:fld>
             <a:endParaRPr lang="en-GB"/>
           </a:p>
@@ -828,7 +829,7 @@
             <a:fld id="{26EA1CF3-4A15-4CBF-9A5A-6A56C368BE71}" type="datetimeFigureOut">
               <a:rPr lang="en-GB" smtClean="0"/>
               <a:pPr/>
-              <a:t>28/08/2023</a:t>
+              <a:t>09/02/2026</a:t>
             </a:fld>
             <a:endParaRPr lang="en-GB"/>
           </a:p>
@@ -1005,7 +1006,7 @@
             <a:fld id="{26EA1CF3-4A15-4CBF-9A5A-6A56C368BE71}" type="datetimeFigureOut">
               <a:rPr lang="en-GB" smtClean="0"/>
               <a:pPr/>
-              <a:t>28/08/2023</a:t>
+              <a:t>09/02/2026</a:t>
             </a:fld>
             <a:endParaRPr lang="en-GB"/>
           </a:p>
@@ -1172,7 +1173,7 @@
             <a:fld id="{26EA1CF3-4A15-4CBF-9A5A-6A56C368BE71}" type="datetimeFigureOut">
               <a:rPr lang="en-GB" smtClean="0"/>
               <a:pPr/>
-              <a:t>28/08/2023</a:t>
+              <a:t>09/02/2026</a:t>
             </a:fld>
             <a:endParaRPr lang="en-GB"/>
           </a:p>
@@ -1415,7 +1416,7 @@
             <a:fld id="{26EA1CF3-4A15-4CBF-9A5A-6A56C368BE71}" type="datetimeFigureOut">
               <a:rPr lang="en-GB" smtClean="0"/>
               <a:pPr/>
-              <a:t>28/08/2023</a:t>
+              <a:t>09/02/2026</a:t>
             </a:fld>
             <a:endParaRPr lang="en-GB"/>
           </a:p>
@@ -1700,7 +1701,7 @@
             <a:fld id="{26EA1CF3-4A15-4CBF-9A5A-6A56C368BE71}" type="datetimeFigureOut">
               <a:rPr lang="en-GB" smtClean="0"/>
               <a:pPr/>
-              <a:t>28/08/2023</a:t>
+              <a:t>09/02/2026</a:t>
             </a:fld>
             <a:endParaRPr lang="en-GB"/>
           </a:p>
@@ -2119,7 +2120,7 @@
             <a:fld id="{26EA1CF3-4A15-4CBF-9A5A-6A56C368BE71}" type="datetimeFigureOut">
               <a:rPr lang="en-GB" smtClean="0"/>
               <a:pPr/>
-              <a:t>28/08/2023</a:t>
+              <a:t>09/02/2026</a:t>
             </a:fld>
             <a:endParaRPr lang="en-GB"/>
           </a:p>
@@ -2234,7 +2235,7 @@
             <a:fld id="{26EA1CF3-4A15-4CBF-9A5A-6A56C368BE71}" type="datetimeFigureOut">
               <a:rPr lang="en-GB" smtClean="0"/>
               <a:pPr/>
-              <a:t>28/08/2023</a:t>
+              <a:t>09/02/2026</a:t>
             </a:fld>
             <a:endParaRPr lang="en-GB"/>
           </a:p>
@@ -2326,7 +2327,7 @@
             <a:fld id="{26EA1CF3-4A15-4CBF-9A5A-6A56C368BE71}" type="datetimeFigureOut">
               <a:rPr lang="en-GB" smtClean="0"/>
               <a:pPr/>
-              <a:t>28/08/2023</a:t>
+              <a:t>09/02/2026</a:t>
             </a:fld>
             <a:endParaRPr lang="en-GB"/>
           </a:p>
@@ -2600,7 +2601,7 @@
             <a:fld id="{26EA1CF3-4A15-4CBF-9A5A-6A56C368BE71}" type="datetimeFigureOut">
               <a:rPr lang="en-GB" smtClean="0"/>
               <a:pPr/>
-              <a:t>28/08/2023</a:t>
+              <a:t>09/02/2026</a:t>
             </a:fld>
             <a:endParaRPr lang="en-GB"/>
           </a:p>
@@ -2850,7 +2851,7 @@
             <a:fld id="{26EA1CF3-4A15-4CBF-9A5A-6A56C368BE71}" type="datetimeFigureOut">
               <a:rPr lang="en-GB" smtClean="0"/>
               <a:pPr/>
-              <a:t>28/08/2023</a:t>
+              <a:t>09/02/2026</a:t>
             </a:fld>
             <a:endParaRPr lang="en-GB"/>
           </a:p>
@@ -3059,7 +3060,7 @@
             <a:fld id="{26EA1CF3-4A15-4CBF-9A5A-6A56C368BE71}" type="datetimeFigureOut">
               <a:rPr lang="en-GB" smtClean="0"/>
               <a:pPr/>
-              <a:t>28/08/2023</a:t>
+              <a:t>09/02/2026</a:t>
             </a:fld>
             <a:endParaRPr lang="en-GB"/>
           </a:p>
@@ -3744,7 +3745,7 @@
           <a:lstStyle/>
           <a:p>
             <a:r>
-              <a:rPr lang="en-GB" sz="4000" dirty="0">
+              <a:rPr lang="en-GB" sz="3600" dirty="0">
                 <a:solidFill>
                   <a:schemeClr val="bg1"/>
                 </a:solidFill>
@@ -3752,7 +3753,7 @@
               <a:t>Blessing and </a:t>
             </a:r>
             <a:r>
-              <a:rPr lang="en-GB" sz="4000" dirty="0" err="1">
+              <a:rPr lang="en-GB" sz="3600" dirty="0" err="1">
                 <a:solidFill>
                   <a:schemeClr val="bg1"/>
                 </a:solidFill>
@@ -3760,7 +3761,7 @@
               <a:t>honor</a:t>
             </a:r>
             <a:r>
-              <a:rPr lang="en-GB" sz="4000" dirty="0">
+              <a:rPr lang="en-GB" sz="3600" dirty="0">
                 <a:solidFill>
                   <a:schemeClr val="bg1"/>
                 </a:solidFill>
@@ -3770,7 +3771,7 @@
           </a:p>
           <a:p>
             <a:r>
-              <a:rPr lang="en-GB" sz="4000" dirty="0">
+              <a:rPr lang="en-GB" sz="3600" dirty="0">
                 <a:solidFill>
                   <a:schemeClr val="bg1"/>
                 </a:solidFill>
@@ -3780,7 +3781,7 @@
           </a:p>
           <a:p>
             <a:r>
-              <a:rPr lang="en-GB" sz="4000" dirty="0">
+              <a:rPr lang="en-GB" sz="3600" dirty="0">
                 <a:solidFill>
                   <a:schemeClr val="bg1"/>
                 </a:solidFill>
@@ -3788,7 +3789,7 @@
               <a:t>From </a:t>
             </a:r>
             <a:r>
-              <a:rPr lang="en-GB" sz="4000" dirty="0" err="1">
+              <a:rPr lang="en-GB" sz="3600" dirty="0" err="1">
                 <a:solidFill>
                   <a:schemeClr val="bg1"/>
                 </a:solidFill>
@@ -3796,7 +3797,7 @@
               <a:t>ev'ry</a:t>
             </a:r>
             <a:r>
-              <a:rPr lang="en-GB" sz="4000" dirty="0">
+              <a:rPr lang="en-GB" sz="3600" dirty="0">
                 <a:solidFill>
                   <a:schemeClr val="bg1"/>
                 </a:solidFill>
@@ -3806,7 +3807,7 @@
           </a:p>
           <a:p>
             <a:r>
-              <a:rPr lang="en-GB" sz="4000" dirty="0">
+              <a:rPr lang="en-GB" sz="3600" dirty="0">
                 <a:solidFill>
                   <a:schemeClr val="bg1"/>
                 </a:solidFill>
@@ -3844,7 +3845,7 @@
                   <a:schemeClr val="bg1"/>
                 </a:solidFill>
               </a:rPr>
-              <a:t>1/3</a:t>
+              <a:t>1/4</a:t>
             </a:r>
           </a:p>
         </p:txBody>
@@ -3902,7 +3903,7 @@
           <a:lstStyle/>
           <a:p>
             <a:r>
-              <a:rPr lang="en-GB" sz="4000" dirty="0" err="1">
+              <a:rPr lang="en-GB" sz="3600" dirty="0" err="1">
                 <a:solidFill>
                   <a:schemeClr val="bg1"/>
                 </a:solidFill>
@@ -3910,7 +3911,7 @@
               <a:t>Ev'ry</a:t>
             </a:r>
             <a:r>
-              <a:rPr lang="en-GB" sz="4000" dirty="0">
+              <a:rPr lang="en-GB" sz="3600" dirty="0">
                 <a:solidFill>
                   <a:schemeClr val="bg1"/>
                 </a:solidFill>
@@ -3920,7 +3921,7 @@
           </a:p>
           <a:p>
             <a:r>
-              <a:rPr lang="en-GB" sz="4000" dirty="0">
+              <a:rPr lang="en-GB" sz="3600" dirty="0">
                 <a:solidFill>
                   <a:schemeClr val="bg1"/>
                 </a:solidFill>
@@ -3930,7 +3931,7 @@
           </a:p>
           <a:p>
             <a:r>
-              <a:rPr lang="en-GB" sz="4000" dirty="0" err="1">
+              <a:rPr lang="en-GB" sz="3600" dirty="0" err="1">
                 <a:solidFill>
                   <a:schemeClr val="bg1"/>
                 </a:solidFill>
@@ -3938,7 +3939,7 @@
               <a:t>Ev'ry</a:t>
             </a:r>
             <a:r>
-              <a:rPr lang="en-GB" sz="4000" dirty="0">
+              <a:rPr lang="en-GB" sz="3600" dirty="0">
                 <a:solidFill>
                   <a:schemeClr val="bg1"/>
                 </a:solidFill>
@@ -3948,7 +3949,7 @@
           </a:p>
           <a:p>
             <a:r>
-              <a:rPr lang="en-GB" sz="4000" dirty="0">
+              <a:rPr lang="en-GB" sz="3600" dirty="0">
                 <a:solidFill>
                   <a:schemeClr val="bg1"/>
                 </a:solidFill>
@@ -3958,7 +3959,7 @@
           </a:p>
           <a:p>
             <a:r>
-              <a:rPr lang="en-GB" sz="4000" dirty="0">
+              <a:rPr lang="en-GB" sz="3600" dirty="0">
                 <a:solidFill>
                   <a:schemeClr val="bg1"/>
                 </a:solidFill>
@@ -3968,7 +3969,7 @@
           </a:p>
           <a:p>
             <a:r>
-              <a:rPr lang="en-GB" sz="4000" dirty="0">
+              <a:rPr lang="en-GB" sz="3600" dirty="0">
                 <a:solidFill>
                   <a:schemeClr val="bg1"/>
                 </a:solidFill>
@@ -3978,7 +3979,7 @@
           </a:p>
           <a:p>
             <a:r>
-              <a:rPr lang="en-GB" sz="4000" dirty="0">
+              <a:rPr lang="en-GB" sz="3600" dirty="0">
                 <a:solidFill>
                   <a:schemeClr val="bg1"/>
                 </a:solidFill>
@@ -4016,7 +4017,7 @@
                   <a:schemeClr val="bg1"/>
                 </a:solidFill>
               </a:rPr>
-              <a:t>2/3</a:t>
+              <a:t>2/4</a:t>
             </a:r>
           </a:p>
         </p:txBody>
@@ -4074,7 +4075,7 @@
           <a:lstStyle/>
           <a:p>
             <a:r>
-              <a:rPr lang="en-GB" sz="4000" dirty="0">
+              <a:rPr lang="en-GB" sz="3600" dirty="0">
                 <a:solidFill>
                   <a:schemeClr val="bg1"/>
                 </a:solidFill>
@@ -4084,7 +4085,7 @@
           </a:p>
           <a:p>
             <a:r>
-              <a:rPr lang="en-GB" sz="4000" dirty="0">
+              <a:rPr lang="en-GB" sz="3600" dirty="0">
                 <a:solidFill>
                   <a:schemeClr val="bg1"/>
                 </a:solidFill>
@@ -4094,7 +4095,7 @@
           </a:p>
           <a:p>
             <a:r>
-              <a:rPr lang="en-GB" sz="4000" dirty="0">
+              <a:rPr lang="en-GB" sz="3600" dirty="0">
                 <a:solidFill>
                   <a:schemeClr val="bg1"/>
                 </a:solidFill>
@@ -4104,7 +4105,7 @@
           </a:p>
           <a:p>
             <a:r>
-              <a:rPr lang="en-GB" sz="4000" dirty="0">
+              <a:rPr lang="en-GB" sz="3600" dirty="0">
                 <a:solidFill>
                   <a:schemeClr val="bg1"/>
                 </a:solidFill>
@@ -4114,7 +4115,7 @@
           </a:p>
           <a:p>
             <a:r>
-              <a:rPr lang="en-GB" sz="4000" dirty="0">
+              <a:rPr lang="en-GB" sz="3600" dirty="0">
                 <a:solidFill>
                   <a:schemeClr val="bg1"/>
                 </a:solidFill>
@@ -4124,12 +4125,34 @@
           </a:p>
           <a:p>
             <a:r>
-              <a:rPr lang="en-GB" sz="4000" dirty="0">
+              <a:rPr lang="en-GB" sz="3600" dirty="0">
                 <a:solidFill>
                   <a:schemeClr val="bg1"/>
                 </a:solidFill>
               </a:rPr>
               <a:t>Sing unto the Ancient of Days</a:t>
+            </a:r>
+            <a:br>
+              <a:rPr lang="en-GB" sz="3600" dirty="0">
+                <a:solidFill>
+                  <a:schemeClr val="bg1"/>
+                </a:solidFill>
+              </a:rPr>
+            </a:br>
+            <a:br>
+              <a:rPr lang="en-GB" sz="3600" dirty="0">
+                <a:solidFill>
+                  <a:schemeClr val="bg1"/>
+                </a:solidFill>
+              </a:rPr>
+            </a:br>
+            <a:r>
+              <a:rPr lang="en-GB" sz="3600" dirty="0">
+                <a:solidFill>
+                  <a:schemeClr val="bg1"/>
+                </a:solidFill>
+              </a:rPr>
+              <a:t>(REPEAT)</a:t>
             </a:r>
           </a:p>
         </p:txBody>
@@ -4162,7 +4185,7 @@
                   <a:schemeClr val="bg1"/>
                 </a:solidFill>
               </a:rPr>
-              <a:t>3/3</a:t>
+              <a:t>3/4</a:t>
             </a:r>
           </a:p>
         </p:txBody>
@@ -4171,6 +4194,196 @@
     <p:extLst>
       <p:ext uri="{BB962C8B-B14F-4D97-AF65-F5344CB8AC3E}">
         <p14:creationId xmlns:p14="http://schemas.microsoft.com/office/powerpoint/2010/main" val="2557020751"/>
+      </p:ext>
+    </p:extLst>
+  </p:cSld>
+  <p:clrMapOvr>
+    <a:masterClrMapping/>
+  </p:clrMapOvr>
+</p:sld>
+</file>
+
+<file path=ppt/slides/slide5.xml><?xml version="1.0" encoding="utf-8"?>
+<p:sld xmlns:a="http://schemas.openxmlformats.org/drawingml/2006/main" xmlns:r="http://schemas.openxmlformats.org/officeDocument/2006/relationships" xmlns:p="http://schemas.openxmlformats.org/presentationml/2006/main">
+  <p:cSld>
+    <p:spTree>
+      <p:nvGrpSpPr>
+        <p:cNvPr id="1" name="">
+          <a:extLst>
+            <a:ext uri="{FF2B5EF4-FFF2-40B4-BE49-F238E27FC236}">
+              <a16:creationId xmlns:a16="http://schemas.microsoft.com/office/drawing/2014/main" id="{14B44353-2AE4-C165-20FD-082CA0F8BA6D}"/>
+            </a:ext>
+          </a:extLst>
+        </p:cNvPr>
+        <p:cNvGrpSpPr/>
+        <p:nvPr/>
+      </p:nvGrpSpPr>
+      <p:grpSpPr>
+        <a:xfrm>
+          <a:off x="0" y="0"/>
+          <a:ext cx="0" cy="0"/>
+          <a:chOff x="0" y="0"/>
+          <a:chExt cx="0" cy="0"/>
+        </a:xfrm>
+      </p:grpSpPr>
+      <p:sp>
+        <p:nvSpPr>
+          <p:cNvPr id="3" name="Subtitle 2">
+            <a:extLst>
+              <a:ext uri="{FF2B5EF4-FFF2-40B4-BE49-F238E27FC236}">
+                <a16:creationId xmlns:a16="http://schemas.microsoft.com/office/drawing/2014/main" id="{4E3937B0-7835-AC7D-276A-A9C0C4141B47}"/>
+              </a:ext>
+            </a:extLst>
+          </p:cNvPr>
+          <p:cNvSpPr>
+            <a:spLocks noGrp="1"/>
+          </p:cNvSpPr>
+          <p:nvPr>
+            <p:ph type="subTitle" idx="1"/>
+          </p:nvPr>
+        </p:nvSpPr>
+        <p:spPr>
+          <a:xfrm>
+            <a:off x="251520" y="908720"/>
+            <a:ext cx="8640960" cy="6480720"/>
+          </a:xfrm>
+        </p:spPr>
+        <p:txBody>
+          <a:bodyPr>
+            <a:noAutofit/>
+          </a:bodyPr>
+          <a:lstStyle/>
+          <a:p>
+            <a:r>
+              <a:rPr lang="en-GB" sz="3600" dirty="0" err="1">
+                <a:solidFill>
+                  <a:schemeClr val="bg1"/>
+                </a:solidFill>
+              </a:rPr>
+              <a:t>Ev'ry</a:t>
+            </a:r>
+            <a:r>
+              <a:rPr lang="en-GB" sz="3600" dirty="0">
+                <a:solidFill>
+                  <a:schemeClr val="bg1"/>
+                </a:solidFill>
+              </a:rPr>
+              <a:t> tongue in heaven and earth</a:t>
+            </a:r>
+          </a:p>
+          <a:p>
+            <a:r>
+              <a:rPr lang="en-GB" sz="3600" dirty="0">
+                <a:solidFill>
+                  <a:schemeClr val="bg1"/>
+                </a:solidFill>
+              </a:rPr>
+              <a:t>Shall declare Your glory</a:t>
+            </a:r>
+          </a:p>
+          <a:p>
+            <a:r>
+              <a:rPr lang="en-GB" sz="3600" dirty="0" err="1">
+                <a:solidFill>
+                  <a:schemeClr val="bg1"/>
+                </a:solidFill>
+              </a:rPr>
+              <a:t>Ev'ry</a:t>
+            </a:r>
+            <a:r>
+              <a:rPr lang="en-GB" sz="3600" dirty="0">
+                <a:solidFill>
+                  <a:schemeClr val="bg1"/>
+                </a:solidFill>
+              </a:rPr>
+              <a:t> knee shall bow at Your throne</a:t>
+            </a:r>
+          </a:p>
+          <a:p>
+            <a:r>
+              <a:rPr lang="en-GB" sz="3600" dirty="0">
+                <a:solidFill>
+                  <a:schemeClr val="bg1"/>
+                </a:solidFill>
+              </a:rPr>
+              <a:t>In worship</a:t>
+            </a:r>
+          </a:p>
+          <a:p>
+            <a:r>
+              <a:rPr lang="en-GB" sz="3600" dirty="0">
+                <a:solidFill>
+                  <a:schemeClr val="bg1"/>
+                </a:solidFill>
+              </a:rPr>
+              <a:t>You will be exalted O God</a:t>
+            </a:r>
+          </a:p>
+          <a:p>
+            <a:r>
+              <a:rPr lang="en-GB" sz="3600" dirty="0">
+                <a:solidFill>
+                  <a:schemeClr val="bg1"/>
+                </a:solidFill>
+              </a:rPr>
+              <a:t>And Your kingdom shall not pass away</a:t>
+            </a:r>
+          </a:p>
+          <a:p>
+            <a:r>
+              <a:rPr lang="en-GB" sz="3600" dirty="0">
+                <a:solidFill>
+                  <a:schemeClr val="bg1"/>
+                </a:solidFill>
+              </a:rPr>
+              <a:t>O Ancient of Days</a:t>
+            </a:r>
+          </a:p>
+        </p:txBody>
+      </p:sp>
+      <p:sp>
+        <p:nvSpPr>
+          <p:cNvPr id="4" name="TextBox 3">
+            <a:extLst>
+              <a:ext uri="{FF2B5EF4-FFF2-40B4-BE49-F238E27FC236}">
+                <a16:creationId xmlns:a16="http://schemas.microsoft.com/office/drawing/2014/main" id="{5F66B84A-616D-03B2-81D6-808E7090CD48}"/>
+              </a:ext>
+            </a:extLst>
+          </p:cNvPr>
+          <p:cNvSpPr txBox="1"/>
+          <p:nvPr/>
+        </p:nvSpPr>
+        <p:spPr>
+          <a:xfrm>
+            <a:off x="8529729" y="0"/>
+            <a:ext cx="628698" cy="461665"/>
+          </a:xfrm>
+          <a:prstGeom prst="rect">
+            <a:avLst/>
+          </a:prstGeom>
+          <a:noFill/>
+        </p:spPr>
+        <p:txBody>
+          <a:bodyPr wrap="none" rtlCol="0">
+            <a:spAutoFit/>
+          </a:bodyPr>
+          <a:lstStyle/>
+          <a:p>
+            <a:r>
+              <a:rPr lang="en-GB" sz="2400" b="1" dirty="0">
+                <a:solidFill>
+                  <a:schemeClr val="bg1"/>
+                </a:solidFill>
+              </a:rPr>
+              <a:t>4/4</a:t>
+            </a:r>
+          </a:p>
+        </p:txBody>
+      </p:sp>
+    </p:spTree>
+    <p:extLst>
+      <p:ext uri="{BB962C8B-B14F-4D97-AF65-F5344CB8AC3E}">
+        <p14:creationId xmlns:p14="http://schemas.microsoft.com/office/powerpoint/2010/main" val="1714945155"/>
       </p:ext>
     </p:extLst>
   </p:cSld>
